--- a/过程文档/类图.pptx
+++ b/过程文档/类图.pptx
@@ -4114,35 +4114,26 @@
       </p:sp>
       <p:pic>
         <p:nvPicPr>
-          <p:cNvPr id="2" name="图片 1"/>
+          <p:cNvPr id="5" name="图片 4" descr="6$5P}6$5BWF$H~J~P}(PPSP"/>
           <p:cNvPicPr>
             <a:picLocks noChangeAspect="1"/>
           </p:cNvPicPr>
           <p:nvPr/>
         </p:nvPicPr>
         <p:blipFill>
-          <a:blip r:embed="rId1" cstate="print">
-            <a:extLst>
-              <a:ext uri="{28A0092B-C50C-407E-A947-70E740481C1C}">
-                <a14:useLocalDpi xmlns:a14="http://schemas.microsoft.com/office/drawing/2010/main" val="0"/>
-              </a:ext>
-            </a:extLst>
-          </a:blip>
+          <a:blip r:embed="rId1"/>
           <a:stretch>
             <a:fillRect/>
           </a:stretch>
         </p:blipFill>
         <p:spPr>
           <a:xfrm>
-            <a:off x="5189684" y="1462060"/>
-            <a:ext cx="2268454" cy="2376331"/>
-          </a:xfrm>
-          <a:prstGeom prst="rect">
-            <a:avLst/>
-          </a:prstGeom>
-          <a:effectLst>
-            <a:softEdge rad="31750"/>
-          </a:effectLst>
+            <a:off x="3470275" y="1010920"/>
+            <a:ext cx="5407025" cy="2781935"/>
+          </a:xfrm>
+          <a:prstGeom prst="rect">
+            <a:avLst/>
+          </a:prstGeom>
         </p:spPr>
       </p:pic>
     </p:spTree>
